--- a/Código Club - Intro rápida a Git.pptx
+++ b/Código Club - Intro rápida a Git.pptx
@@ -274,7 +274,7 @@
           <a:p>
             <a:fld id="{A3024C00-A7F1-4EB1-ACE5-82981740F7B5}" type="datetimeFigureOut">
               <a:rPr lang="es-CR" smtClean="0"/>
-              <a:t>26/12/2024</a:t>
+              <a:t>29/12/2024</a:t>
             </a:fld>
             <a:endParaRPr lang="es-CR" dirty="0"/>
           </a:p>
@@ -474,7 +474,7 @@
           <a:p>
             <a:fld id="{A3024C00-A7F1-4EB1-ACE5-82981740F7B5}" type="datetimeFigureOut">
               <a:rPr lang="es-CR" smtClean="0"/>
-              <a:t>26/12/2024</a:t>
+              <a:t>29/12/2024</a:t>
             </a:fld>
             <a:endParaRPr lang="es-CR" dirty="0"/>
           </a:p>
@@ -684,7 +684,7 @@
           <a:p>
             <a:fld id="{A3024C00-A7F1-4EB1-ACE5-82981740F7B5}" type="datetimeFigureOut">
               <a:rPr lang="es-CR" smtClean="0"/>
-              <a:t>26/12/2024</a:t>
+              <a:t>29/12/2024</a:t>
             </a:fld>
             <a:endParaRPr lang="es-CR" dirty="0"/>
           </a:p>
@@ -884,7 +884,7 @@
           <a:p>
             <a:fld id="{A3024C00-A7F1-4EB1-ACE5-82981740F7B5}" type="datetimeFigureOut">
               <a:rPr lang="es-CR" smtClean="0"/>
-              <a:t>26/12/2024</a:t>
+              <a:t>29/12/2024</a:t>
             </a:fld>
             <a:endParaRPr lang="es-CR" dirty="0"/>
           </a:p>
@@ -1160,7 +1160,7 @@
           <a:p>
             <a:fld id="{A3024C00-A7F1-4EB1-ACE5-82981740F7B5}" type="datetimeFigureOut">
               <a:rPr lang="es-CR" smtClean="0"/>
-              <a:t>26/12/2024</a:t>
+              <a:t>29/12/2024</a:t>
             </a:fld>
             <a:endParaRPr lang="es-CR" dirty="0"/>
           </a:p>
@@ -1428,7 +1428,7 @@
           <a:p>
             <a:fld id="{A3024C00-A7F1-4EB1-ACE5-82981740F7B5}" type="datetimeFigureOut">
               <a:rPr lang="es-CR" smtClean="0"/>
-              <a:t>26/12/2024</a:t>
+              <a:t>29/12/2024</a:t>
             </a:fld>
             <a:endParaRPr lang="es-CR" dirty="0"/>
           </a:p>
@@ -1843,7 +1843,7 @@
           <a:p>
             <a:fld id="{A3024C00-A7F1-4EB1-ACE5-82981740F7B5}" type="datetimeFigureOut">
               <a:rPr lang="es-CR" smtClean="0"/>
-              <a:t>26/12/2024</a:t>
+              <a:t>29/12/2024</a:t>
             </a:fld>
             <a:endParaRPr lang="es-CR" dirty="0"/>
           </a:p>
@@ -1985,7 +1985,7 @@
           <a:p>
             <a:fld id="{A3024C00-A7F1-4EB1-ACE5-82981740F7B5}" type="datetimeFigureOut">
               <a:rPr lang="es-CR" smtClean="0"/>
-              <a:t>26/12/2024</a:t>
+              <a:t>29/12/2024</a:t>
             </a:fld>
             <a:endParaRPr lang="es-CR" dirty="0"/>
           </a:p>
@@ -2098,7 +2098,7 @@
           <a:p>
             <a:fld id="{A3024C00-A7F1-4EB1-ACE5-82981740F7B5}" type="datetimeFigureOut">
               <a:rPr lang="es-CR" smtClean="0"/>
-              <a:t>26/12/2024</a:t>
+              <a:t>29/12/2024</a:t>
             </a:fld>
             <a:endParaRPr lang="es-CR" dirty="0"/>
           </a:p>
@@ -2411,7 +2411,7 @@
           <a:p>
             <a:fld id="{A3024C00-A7F1-4EB1-ACE5-82981740F7B5}" type="datetimeFigureOut">
               <a:rPr lang="es-CR" smtClean="0"/>
-              <a:t>26/12/2024</a:t>
+              <a:t>29/12/2024</a:t>
             </a:fld>
             <a:endParaRPr lang="es-CR" dirty="0"/>
           </a:p>
@@ -2700,7 +2700,7 @@
           <a:p>
             <a:fld id="{A3024C00-A7F1-4EB1-ACE5-82981740F7B5}" type="datetimeFigureOut">
               <a:rPr lang="es-CR" smtClean="0"/>
-              <a:t>26/12/2024</a:t>
+              <a:t>29/12/2024</a:t>
             </a:fld>
             <a:endParaRPr lang="es-CR" dirty="0"/>
           </a:p>
@@ -2943,7 +2943,7 @@
           <a:p>
             <a:fld id="{A3024C00-A7F1-4EB1-ACE5-82981740F7B5}" type="datetimeFigureOut">
               <a:rPr lang="es-CR" smtClean="0"/>
-              <a:t>26/12/2024</a:t>
+              <a:t>29/12/2024</a:t>
             </a:fld>
             <a:endParaRPr lang="es-CR" dirty="0"/>
           </a:p>
@@ -5703,18 +5703,7 @@
                 <a:ea typeface="Cascadia Mono SemiBold" panose="020B0609020000020004" pitchFamily="49" charset="0"/>
                 <a:cs typeface="Cascadia Mono SemiBold" panose="020B0609020000020004" pitchFamily="49" charset="0"/>
               </a:rPr>
-              <a:t>Una vez instalado ejecutar en </a:t>
-            </a:r>
-            <a:r>
-              <a:rPr lang="es-ES" sz="2800">
-                <a:solidFill>
-                  <a:schemeClr val="bg2"/>
-                </a:solidFill>
-                <a:latin typeface="Cascadia Mono SemiBold" panose="020B0609020000020004" pitchFamily="49" charset="0"/>
-                <a:ea typeface="Cascadia Mono SemiBold" panose="020B0609020000020004" pitchFamily="49" charset="0"/>
-                <a:cs typeface="Cascadia Mono SemiBold" panose="020B0609020000020004" pitchFamily="49" charset="0"/>
-              </a:rPr>
-              <a:t>la terminal: </a:t>
+              <a:t>Una vez instalado ejecutar en la terminal: </a:t>
             </a:r>
             <a:r>
               <a:rPr lang="es-ES" sz="2800" dirty="0" err="1">
@@ -5736,8 +5725,27 @@
                 <a:ea typeface="Cascadia Mono SemiBold" panose="020B0609020000020004" pitchFamily="49" charset="0"/>
                 <a:cs typeface="Cascadia Mono SemiBold" panose="020B0609020000020004" pitchFamily="49" charset="0"/>
               </a:rPr>
-              <a:t> --versión</a:t>
-            </a:r>
+              <a:t> --</a:t>
+            </a:r>
+            <a:r>
+              <a:rPr lang="es-ES" sz="2800" dirty="0" err="1">
+                <a:solidFill>
+                  <a:schemeClr val="bg2"/>
+                </a:solidFill>
+                <a:latin typeface="Cascadia Mono SemiBold" panose="020B0609020000020004" pitchFamily="49" charset="0"/>
+                <a:ea typeface="Cascadia Mono SemiBold" panose="020B0609020000020004" pitchFamily="49" charset="0"/>
+                <a:cs typeface="Cascadia Mono SemiBold" panose="020B0609020000020004" pitchFamily="49" charset="0"/>
+              </a:rPr>
+              <a:t>version</a:t>
+            </a:r>
+            <a:endParaRPr lang="es-ES" sz="2800" dirty="0">
+              <a:solidFill>
+                <a:schemeClr val="bg2"/>
+              </a:solidFill>
+              <a:latin typeface="Cascadia Mono SemiBold" panose="020B0609020000020004" pitchFamily="49" charset="0"/>
+              <a:ea typeface="Cascadia Mono SemiBold" panose="020B0609020000020004" pitchFamily="49" charset="0"/>
+              <a:cs typeface="Cascadia Mono SemiBold" panose="020B0609020000020004" pitchFamily="49" charset="0"/>
+            </a:endParaRPr>
           </a:p>
           <a:p>
             <a:pPr algn="l">
@@ -6022,7 +6030,18 @@
                 <a:ea typeface="Cascadia Mono SemiBold" panose="020B0609020000020004" pitchFamily="49" charset="0"/>
                 <a:cs typeface="Cascadia Mono SemiBold" panose="020B0609020000020004" pitchFamily="49" charset="0"/>
               </a:rPr>
-              <a:t> --versión</a:t>
+              <a:t> --</a:t>
+            </a:r>
+            <a:r>
+              <a:rPr lang="es-ES" sz="2200" dirty="0" err="1">
+                <a:solidFill>
+                  <a:schemeClr val="bg2"/>
+                </a:solidFill>
+                <a:latin typeface="Cascadia Mono SemiBold" panose="020B0609020000020004" pitchFamily="49" charset="0"/>
+                <a:ea typeface="Cascadia Mono SemiBold" panose="020B0609020000020004" pitchFamily="49" charset="0"/>
+                <a:cs typeface="Cascadia Mono SemiBold" panose="020B0609020000020004" pitchFamily="49" charset="0"/>
+              </a:rPr>
+              <a:t>version</a:t>
             </a:r>
             <a:endParaRPr lang="es-CR" sz="2200" dirty="0">
               <a:solidFill>
@@ -6364,7 +6383,18 @@
                 <a:ea typeface="Cascadia Mono SemiBold" panose="020B0609020000020004" pitchFamily="49" charset="0"/>
                 <a:cs typeface="Cascadia Mono SemiBold" panose="020B0609020000020004" pitchFamily="49" charset="0"/>
               </a:rPr>
-              <a:t> --versión</a:t>
+              <a:t> --</a:t>
+            </a:r>
+            <a:r>
+              <a:rPr lang="es-ES" sz="2200" dirty="0" err="1">
+                <a:solidFill>
+                  <a:schemeClr val="bg2"/>
+                </a:solidFill>
+                <a:latin typeface="Cascadia Mono SemiBold" panose="020B0609020000020004" pitchFamily="49" charset="0"/>
+                <a:ea typeface="Cascadia Mono SemiBold" panose="020B0609020000020004" pitchFamily="49" charset="0"/>
+                <a:cs typeface="Cascadia Mono SemiBold" panose="020B0609020000020004" pitchFamily="49" charset="0"/>
+              </a:rPr>
+              <a:t>version</a:t>
             </a:r>
             <a:endParaRPr lang="es-CR" sz="2200" dirty="0">
               <a:solidFill>
